--- a/M3. Types/Types (RU).pptx
+++ b/M3. Types/Types (RU).pptx
@@ -308,7 +308,7 @@
               <a:pPr>
                 <a:defRPr/>
               </a:pPr>
-              <a:t>12/19/17</a:t>
+              <a:t>1/13/18</a:t>
             </a:fld>
             <a:endParaRPr lang="en-US" dirty="0"/>
           </a:p>
@@ -5840,11 +5840,7 @@
             </a:r>
             <a:r>
               <a:rPr lang="en-US" dirty="0" smtClean="0"/>
-              <a:t>Lab </a:t>
-            </a:r>
-            <a:r>
-              <a:rPr lang="en-US" dirty="0" smtClean="0"/>
-              <a:t>MINSK. 2017</a:t>
+              <a:t>Lab MINSK. 2017</a:t>
             </a:r>
             <a:endParaRPr lang="en-US" dirty="0"/>
           </a:p>
@@ -7050,15 +7046,6 @@
                 </a:rPr>
                 <a:t>}</a:t>
               </a:r>
-              <a:endParaRPr lang="ru-RU" sz="1600" dirty="0">
-                <a:solidFill>
-                  <a:schemeClr val="accent2">
-                    <a:lumMod val="50000"/>
-                  </a:schemeClr>
-                </a:solidFill>
-                <a:latin typeface="Consolas" pitchFamily="49" charset="0"/>
-                <a:cs typeface="Consolas" pitchFamily="49" charset="0"/>
-              </a:endParaRPr>
             </a:p>
           </p:txBody>
         </p:sp>
@@ -15994,8 +15981,8 @@
         </p:nvSpPr>
         <p:spPr>
           <a:xfrm>
-            <a:off x="3725905" y="3244334"/>
-            <a:ext cx="1692195" cy="523220"/>
+            <a:off x="3706413" y="3244334"/>
+            <a:ext cx="1731180" cy="523220"/>
           </a:xfrm>
           <a:prstGeom prst="rect">
             <a:avLst/>
@@ -16009,7 +15996,7 @@
           <a:p>
             <a:pPr algn="ctr"/>
             <a:r>
-              <a:rPr lang="ru-RU" sz="2800" dirty="0" smtClean="0">
+              <a:rPr lang="ru-RU" sz="2800" b="1" dirty="0" smtClean="0">
                 <a:solidFill>
                   <a:schemeClr val="accent3">
                     <a:lumMod val="75000"/>
@@ -16021,7 +16008,7 @@
               </a:rPr>
               <a:t>Структура</a:t>
             </a:r>
-            <a:endParaRPr lang="en-US" sz="2800" dirty="0">
+            <a:endParaRPr lang="en-US" sz="2800" b="1" dirty="0">
               <a:solidFill>
                 <a:schemeClr val="accent3">
                   <a:lumMod val="75000"/>
@@ -16923,7 +16910,7 @@
                 <a:buChar char="•"/>
               </a:pPr>
               <a:r>
-                <a:rPr lang="en-US" dirty="0" smtClean="0">
+                <a:rPr lang="ru-RU" dirty="0" smtClean="0">
                   <a:solidFill>
                     <a:schemeClr val="accent2">
                       <a:lumMod val="50000"/>
@@ -16933,33 +16920,7 @@
                   <a:ea typeface="Calibri" charset="0"/>
                   <a:cs typeface="Calibri" charset="0"/>
                 </a:rPr>
-                <a:t>c</a:t>
-              </a:r>
-              <a:r>
-                <a:rPr lang="ru-RU" dirty="0" err="1" smtClean="0">
-                  <a:solidFill>
-                    <a:schemeClr val="accent2">
-                      <a:lumMod val="50000"/>
-                    </a:schemeClr>
-                  </a:solidFill>
-                  <a:latin typeface="Calibri" charset="0"/>
-                  <a:ea typeface="Calibri" charset="0"/>
-                  <a:cs typeface="Calibri" charset="0"/>
-                </a:rPr>
-                <a:t>труктура</a:t>
-              </a:r>
-              <a:r>
-                <a:rPr lang="ru-RU" dirty="0" smtClean="0">
-                  <a:solidFill>
-                    <a:schemeClr val="accent2">
-                      <a:lumMod val="50000"/>
-                    </a:schemeClr>
-                  </a:solidFill>
-                  <a:latin typeface="Calibri" charset="0"/>
-                  <a:ea typeface="Calibri" charset="0"/>
-                  <a:cs typeface="Calibri" charset="0"/>
-                </a:rPr>
-                <a:t> </a:t>
+                <a:t>структура </a:t>
               </a:r>
               <a:r>
                 <a:rPr lang="ru-RU" dirty="0">
@@ -17020,7 +16981,7 @@
                 <a:buChar char="•"/>
               </a:pPr>
               <a:r>
-                <a:rPr lang="en-US" dirty="0" smtClean="0">
+                <a:rPr lang="ru-RU" dirty="0" smtClean="0">
                   <a:solidFill>
                     <a:schemeClr val="accent2">
                       <a:lumMod val="50000"/>
@@ -17030,10 +16991,10 @@
                   <a:ea typeface="Calibri" charset="0"/>
                   <a:cs typeface="Calibri" charset="0"/>
                 </a:rPr>
-                <a:t>c</a:t>
-              </a:r>
-              <a:r>
-                <a:rPr lang="ru-RU" dirty="0" err="1" smtClean="0">
+                <a:t>с</a:t>
+              </a:r>
+              <a:r>
+                <a:rPr lang="ru-RU" dirty="0" smtClean="0">
                   <a:solidFill>
                     <a:schemeClr val="accent2">
                       <a:lumMod val="50000"/>
@@ -17043,10 +17004,10 @@
                   <a:ea typeface="Calibri" charset="0"/>
                   <a:cs typeface="Calibri" charset="0"/>
                 </a:rPr>
-                <a:t>труктура</a:t>
-              </a:r>
-              <a:r>
-                <a:rPr lang="ru-RU" dirty="0" smtClean="0">
+                <a:t>труктура </a:t>
+              </a:r>
+              <a:r>
+                <a:rPr lang="ru-RU" dirty="0">
                   <a:solidFill>
                     <a:schemeClr val="accent2">
                       <a:lumMod val="50000"/>
@@ -17056,10 +17017,10 @@
                   <a:ea typeface="Calibri" charset="0"/>
                   <a:cs typeface="Calibri" charset="0"/>
                 </a:rPr>
-                <a:t> </a:t>
-              </a:r>
-              <a:r>
-                <a:rPr lang="ru-RU" dirty="0">
+                <a:t>не поддерживает наследование (отличное от </a:t>
+              </a:r>
+              <a:r>
+                <a:rPr lang="ru-RU" dirty="0" smtClean="0">
                   <a:solidFill>
                     <a:schemeClr val="accent2">
                       <a:lumMod val="50000"/>
@@ -17069,10 +17030,10 @@
                   <a:ea typeface="Calibri" charset="0"/>
                   <a:cs typeface="Calibri" charset="0"/>
                 </a:rPr>
-                <a:t>не поддерживает наследование (отличное от </a:t>
-              </a:r>
-              <a:r>
-                <a:rPr lang="ru-RU" dirty="0" smtClean="0">
+                <a:t>неявно полученного </a:t>
+              </a:r>
+              <a:r>
+                <a:rPr lang="en-US" dirty="0" err="1" smtClean="0">
                   <a:solidFill>
                     <a:schemeClr val="accent2">
                       <a:lumMod val="50000"/>
@@ -17082,20 +17043,7 @@
                   <a:ea typeface="Calibri" charset="0"/>
                   <a:cs typeface="Calibri" charset="0"/>
                 </a:rPr>
-                <a:t>неявно полученного </a:t>
-              </a:r>
-              <a:r>
-                <a:rPr lang="en-US" dirty="0" err="1" smtClean="0">
-                  <a:solidFill>
-                    <a:schemeClr val="accent2">
-                      <a:lumMod val="50000"/>
-                    </a:schemeClr>
-                  </a:solidFill>
-                  <a:latin typeface="Calibri" charset="0"/>
-                  <a:ea typeface="Calibri" charset="0"/>
-                  <a:cs typeface="Calibri" charset="0"/>
-                </a:rPr>
-                <a:t>System.Obict</a:t>
+                <a:t>System.Object</a:t>
               </a:r>
               <a:r>
                 <a:rPr lang="ru-RU" dirty="0" smtClean="0">
@@ -21005,14 +20953,6 @@
                 </a:rPr>
                 <a:t>в этом случае считается неинициализированной</a:t>
               </a:r>
-              <a:endParaRPr lang="ru-RU" dirty="0">
-                <a:solidFill>
-                  <a:schemeClr val="accent2">
-                    <a:lumMod val="50000"/>
-                  </a:schemeClr>
-                </a:solidFill>
-                <a:latin typeface="Calibri" panose="020F0502020204030204" pitchFamily="34" charset="0"/>
-              </a:endParaRPr>
             </a:p>
           </p:txBody>
         </p:sp>
@@ -27779,8 +27719,8 @@
         </p:nvSpPr>
         <p:spPr>
           <a:xfrm>
-            <a:off x="4053365" y="3244334"/>
-            <a:ext cx="1037272" cy="523220"/>
+            <a:off x="4045350" y="3244334"/>
+            <a:ext cx="1053302" cy="523220"/>
           </a:xfrm>
           <a:prstGeom prst="rect">
             <a:avLst/>
@@ -27794,7 +27734,7 @@
           <a:p>
             <a:pPr algn="ctr"/>
             <a:r>
-              <a:rPr lang="ru-RU" sz="2800" smtClean="0">
+              <a:rPr lang="ru-RU" sz="2800" b="1" smtClean="0">
                 <a:solidFill>
                   <a:schemeClr val="accent3">
                     <a:lumMod val="75000"/>
@@ -27806,7 +27746,7 @@
               </a:rPr>
               <a:t>Класс</a:t>
             </a:r>
-            <a:endParaRPr lang="en-US" sz="2800" dirty="0">
+            <a:endParaRPr lang="en-US" sz="2800" b="1" dirty="0">
               <a:solidFill>
                 <a:schemeClr val="accent3">
                   <a:lumMod val="75000"/>
@@ -35824,17 +35764,12 @@
           <a:p>
             <a:r>
               <a:rPr lang="ru-RU" dirty="0" smtClean="0"/>
-              <a:t>Понятие </a:t>
-            </a:r>
-            <a:r>
-              <a:rPr lang="ru-RU" dirty="0" smtClean="0"/>
-              <a:t>класс</a:t>
+              <a:t>Понятие класс</a:t>
             </a:r>
             <a:r>
               <a:rPr lang="ru-RU" dirty="0"/>
               <a:t>а</a:t>
             </a:r>
-            <a:endParaRPr lang="ru-RU" dirty="0"/>
           </a:p>
         </p:txBody>
       </p:sp>
@@ -36382,14 +36317,6 @@
                   </a:rPr>
                   <a:t>класса) – это отдельный представитель класса, имеющий конкретное состояние и поведение, полностью определяемое классом</a:t>
                 </a:r>
-                <a:endParaRPr lang="ru-RU" dirty="0">
-                  <a:solidFill>
-                    <a:schemeClr val="accent3">
-                      <a:lumMod val="75000"/>
-                    </a:schemeClr>
-                  </a:solidFill>
-                  <a:latin typeface="Calibri" panose="020F0502020204030204" pitchFamily="34" charset="0"/>
-                </a:endParaRPr>
               </a:p>
             </p:txBody>
           </p:sp>
@@ -36654,7 +36581,6 @@
               <a:rPr lang="ru-RU" dirty="0"/>
               <a:t>Понятие класса</a:t>
             </a:r>
-            <a:endParaRPr lang="ru-RU" dirty="0"/>
           </a:p>
         </p:txBody>
       </p:sp>
@@ -37676,14 +37602,14 @@
                 <a:gridCol w="4229322">
                   <a:extLst>
                     <a:ext uri="{9D8B030D-6E8A-4147-A177-3AD203B41FA5}">
-                      <a16:colId xmlns:a16="http://schemas.microsoft.com/office/drawing/2014/main" xmlns="" val="20000"/>
+                      <a16:colId xmlns="" xmlns:a16="http://schemas.microsoft.com/office/drawing/2014/main" val="20000"/>
                     </a:ext>
                   </a:extLst>
                 </a:gridCol>
                 <a:gridCol w="4533677">
                   <a:extLst>
                     <a:ext uri="{9D8B030D-6E8A-4147-A177-3AD203B41FA5}">
-                      <a16:colId xmlns:a16="http://schemas.microsoft.com/office/drawing/2014/main" xmlns="" val="20001"/>
+                      <a16:colId xmlns="" xmlns:a16="http://schemas.microsoft.com/office/drawing/2014/main" val="20001"/>
                     </a:ext>
                   </a:extLst>
                 </a:gridCol>
@@ -37768,7 +37694,7 @@
                 </a:tc>
                 <a:extLst>
                   <a:ext uri="{0D108BD9-81ED-4DB2-BD59-A6C34878D82A}">
-                    <a16:rowId xmlns:a16="http://schemas.microsoft.com/office/drawing/2014/main" xmlns="" val="10000"/>
+                    <a16:rowId xmlns="" xmlns:a16="http://schemas.microsoft.com/office/drawing/2014/main" val="10000"/>
                   </a:ext>
                 </a:extLst>
               </a:tr>
@@ -37852,7 +37778,7 @@
                 </a:tc>
                 <a:extLst>
                   <a:ext uri="{0D108BD9-81ED-4DB2-BD59-A6C34878D82A}">
-                    <a16:rowId xmlns:a16="http://schemas.microsoft.com/office/drawing/2014/main" xmlns="" val="10001"/>
+                    <a16:rowId xmlns="" xmlns:a16="http://schemas.microsoft.com/office/drawing/2014/main" val="10001"/>
                   </a:ext>
                 </a:extLst>
               </a:tr>
@@ -37923,7 +37849,7 @@
                 </a:tc>
                 <a:extLst>
                   <a:ext uri="{0D108BD9-81ED-4DB2-BD59-A6C34878D82A}">
-                    <a16:rowId xmlns:a16="http://schemas.microsoft.com/office/drawing/2014/main" xmlns="" val="10002"/>
+                    <a16:rowId xmlns="" xmlns:a16="http://schemas.microsoft.com/office/drawing/2014/main" val="10002"/>
                   </a:ext>
                 </a:extLst>
               </a:tr>
@@ -37994,7 +37920,7 @@
                 </a:tc>
                 <a:extLst>
                   <a:ext uri="{0D108BD9-81ED-4DB2-BD59-A6C34878D82A}">
-                    <a16:rowId xmlns:a16="http://schemas.microsoft.com/office/drawing/2014/main" xmlns="" val="10003"/>
+                    <a16:rowId xmlns="" xmlns:a16="http://schemas.microsoft.com/office/drawing/2014/main" val="10003"/>
                   </a:ext>
                 </a:extLst>
               </a:tr>
@@ -38065,7 +37991,7 @@
                 </a:tc>
                 <a:extLst>
                   <a:ext uri="{0D108BD9-81ED-4DB2-BD59-A6C34878D82A}">
-                    <a16:rowId xmlns:a16="http://schemas.microsoft.com/office/drawing/2014/main" xmlns="" val="10004"/>
+                    <a16:rowId xmlns="" xmlns:a16="http://schemas.microsoft.com/office/drawing/2014/main" val="10004"/>
                   </a:ext>
                 </a:extLst>
               </a:tr>
@@ -38149,7 +38075,7 @@
                 </a:tc>
                 <a:extLst>
                   <a:ext uri="{0D108BD9-81ED-4DB2-BD59-A6C34878D82A}">
-                    <a16:rowId xmlns:a16="http://schemas.microsoft.com/office/drawing/2014/main" xmlns="" val="10005"/>
+                    <a16:rowId xmlns="" xmlns:a16="http://schemas.microsoft.com/office/drawing/2014/main" val="10005"/>
                   </a:ext>
                 </a:extLst>
               </a:tr>
@@ -38340,14 +38266,14 @@
                 <a:gridCol w="4191711">
                   <a:extLst>
                     <a:ext uri="{9D8B030D-6E8A-4147-A177-3AD203B41FA5}">
-                      <a16:colId xmlns:a16="http://schemas.microsoft.com/office/drawing/2014/main" xmlns="" val="20000"/>
+                      <a16:colId xmlns="" xmlns:a16="http://schemas.microsoft.com/office/drawing/2014/main" val="20000"/>
                     </a:ext>
                   </a:extLst>
                 </a:gridCol>
                 <a:gridCol w="4401017">
                   <a:extLst>
                     <a:ext uri="{9D8B030D-6E8A-4147-A177-3AD203B41FA5}">
-                      <a16:colId xmlns:a16="http://schemas.microsoft.com/office/drawing/2014/main" xmlns="" val="20001"/>
+                      <a16:colId xmlns="" xmlns:a16="http://schemas.microsoft.com/office/drawing/2014/main" val="20001"/>
                     </a:ext>
                   </a:extLst>
                 </a:gridCol>
@@ -38432,7 +38358,7 @@
                 </a:tc>
                 <a:extLst>
                   <a:ext uri="{0D108BD9-81ED-4DB2-BD59-A6C34878D82A}">
-                    <a16:rowId xmlns:a16="http://schemas.microsoft.com/office/drawing/2014/main" xmlns="" val="10000"/>
+                    <a16:rowId xmlns="" xmlns:a16="http://schemas.microsoft.com/office/drawing/2014/main" val="10000"/>
                   </a:ext>
                 </a:extLst>
               </a:tr>
@@ -38516,7 +38442,7 @@
                 </a:tc>
                 <a:extLst>
                   <a:ext uri="{0D108BD9-81ED-4DB2-BD59-A6C34878D82A}">
-                    <a16:rowId xmlns:a16="http://schemas.microsoft.com/office/drawing/2014/main" xmlns="" val="10001"/>
+                    <a16:rowId xmlns="" xmlns:a16="http://schemas.microsoft.com/office/drawing/2014/main" val="10001"/>
                   </a:ext>
                 </a:extLst>
               </a:tr>
@@ -38613,7 +38539,7 @@
                 </a:tc>
                 <a:extLst>
                   <a:ext uri="{0D108BD9-81ED-4DB2-BD59-A6C34878D82A}">
-                    <a16:rowId xmlns:a16="http://schemas.microsoft.com/office/drawing/2014/main" xmlns="" val="10002"/>
+                    <a16:rowId xmlns="" xmlns:a16="http://schemas.microsoft.com/office/drawing/2014/main" val="10002"/>
                   </a:ext>
                 </a:extLst>
               </a:tr>
@@ -38684,7 +38610,7 @@
                 </a:tc>
                 <a:extLst>
                   <a:ext uri="{0D108BD9-81ED-4DB2-BD59-A6C34878D82A}">
-                    <a16:rowId xmlns:a16="http://schemas.microsoft.com/office/drawing/2014/main" xmlns="" val="10003"/>
+                    <a16:rowId xmlns="" xmlns:a16="http://schemas.microsoft.com/office/drawing/2014/main" val="10003"/>
                   </a:ext>
                 </a:extLst>
               </a:tr>
@@ -38947,11 +38873,7 @@
             </a:r>
             <a:r>
               <a:rPr lang="ru-RU" dirty="0" smtClean="0"/>
-              <a:t>класса. </a:t>
-            </a:r>
-            <a:r>
-              <a:rPr lang="ru-RU" dirty="0" smtClean="0"/>
-              <a:t>Конструкторы</a:t>
+              <a:t>класса. Конструкторы</a:t>
             </a:r>
             <a:endParaRPr lang="ru-RU" dirty="0"/>
           </a:p>
@@ -38985,14 +38907,14 @@
                 <a:gridCol w="4191711">
                   <a:extLst>
                     <a:ext uri="{9D8B030D-6E8A-4147-A177-3AD203B41FA5}">
-                      <a16:colId xmlns:a16="http://schemas.microsoft.com/office/drawing/2014/main" xmlns="" val="20000"/>
+                      <a16:colId xmlns="" xmlns:a16="http://schemas.microsoft.com/office/drawing/2014/main" val="20000"/>
                     </a:ext>
                   </a:extLst>
                 </a:gridCol>
                 <a:gridCol w="4401017">
                   <a:extLst>
                     <a:ext uri="{9D8B030D-6E8A-4147-A177-3AD203B41FA5}">
-                      <a16:colId xmlns:a16="http://schemas.microsoft.com/office/drawing/2014/main" xmlns="" val="20001"/>
+                      <a16:colId xmlns="" xmlns:a16="http://schemas.microsoft.com/office/drawing/2014/main" val="20001"/>
                     </a:ext>
                   </a:extLst>
                 </a:gridCol>
@@ -39077,7 +38999,7 @@
                 </a:tc>
                 <a:extLst>
                   <a:ext uri="{0D108BD9-81ED-4DB2-BD59-A6C34878D82A}">
-                    <a16:rowId xmlns:a16="http://schemas.microsoft.com/office/drawing/2014/main" xmlns="" val="10000"/>
+                    <a16:rowId xmlns="" xmlns:a16="http://schemas.microsoft.com/office/drawing/2014/main" val="10000"/>
                   </a:ext>
                 </a:extLst>
               </a:tr>
@@ -39161,7 +39083,7 @@
                 </a:tc>
                 <a:extLst>
                   <a:ext uri="{0D108BD9-81ED-4DB2-BD59-A6C34878D82A}">
-                    <a16:rowId xmlns:a16="http://schemas.microsoft.com/office/drawing/2014/main" xmlns="" val="10001"/>
+                    <a16:rowId xmlns="" xmlns:a16="http://schemas.microsoft.com/office/drawing/2014/main" val="10001"/>
                   </a:ext>
                 </a:extLst>
               </a:tr>
@@ -39232,7 +39154,7 @@
                 </a:tc>
                 <a:extLst>
                   <a:ext uri="{0D108BD9-81ED-4DB2-BD59-A6C34878D82A}">
-                    <a16:rowId xmlns:a16="http://schemas.microsoft.com/office/drawing/2014/main" xmlns="" val="10003"/>
+                    <a16:rowId xmlns="" xmlns:a16="http://schemas.microsoft.com/office/drawing/2014/main" val="10003"/>
                   </a:ext>
                 </a:extLst>
               </a:tr>
